--- a/MITRON BANK PPT.pptx
+++ b/MITRON BANK PPT.pptx
@@ -15155,7 +15155,7 @@
           <a:p>
             <a:fld id="{47A0E967-B708-4BBB-89FB-9BFA5643FF68}" type="datetimeFigureOut">
               <a:rPr lang="en-IN" smtClean="0"/>
-              <a:t>26-03-2024</a:t>
+              <a:t>27-03-2024</a:t>
             </a:fld>
             <a:endParaRPr lang="en-IN"/>
           </a:p>
@@ -15332,7 +15332,7 @@
           <a:p>
             <a:fld id="{7BC42F18-E8BC-4BAB-B2F5-71904315A1F4}" type="datetimeFigureOut">
               <a:rPr lang="en-IN" smtClean="0"/>
-              <a:t>26-03-2024</a:t>
+              <a:t>27-03-2024</a:t>
             </a:fld>
             <a:endParaRPr lang="en-IN"/>
           </a:p>
@@ -15899,7 +15899,7 @@
           <a:p>
             <a:fld id="{2FB40312-5B57-42FA-A5A9-3F69F0E1FD40}" type="datetimeFigureOut">
               <a:rPr lang="en-IN" smtClean="0"/>
-              <a:t>26-03-2024</a:t>
+              <a:t>27-03-2024</a:t>
             </a:fld>
             <a:endParaRPr lang="en-IN"/>
           </a:p>
@@ -16069,7 +16069,7 @@
           <a:p>
             <a:fld id="{2FB40312-5B57-42FA-A5A9-3F69F0E1FD40}" type="datetimeFigureOut">
               <a:rPr lang="en-IN" smtClean="0"/>
-              <a:t>26-03-2024</a:t>
+              <a:t>27-03-2024</a:t>
             </a:fld>
             <a:endParaRPr lang="en-IN"/>
           </a:p>
@@ -16249,7 +16249,7 @@
           <a:p>
             <a:fld id="{2FB40312-5B57-42FA-A5A9-3F69F0E1FD40}" type="datetimeFigureOut">
               <a:rPr lang="en-IN" smtClean="0"/>
-              <a:t>26-03-2024</a:t>
+              <a:t>27-03-2024</a:t>
             </a:fld>
             <a:endParaRPr lang="en-IN"/>
           </a:p>
@@ -17225,7 +17225,7 @@
           <a:p>
             <a:fld id="{2FB40312-5B57-42FA-A5A9-3F69F0E1FD40}" type="datetimeFigureOut">
               <a:rPr lang="en-IN" smtClean="0"/>
-              <a:t>26-03-2024</a:t>
+              <a:t>27-03-2024</a:t>
             </a:fld>
             <a:endParaRPr lang="en-IN"/>
           </a:p>
@@ -17471,7 +17471,7 @@
           <a:p>
             <a:fld id="{2FB40312-5B57-42FA-A5A9-3F69F0E1FD40}" type="datetimeFigureOut">
               <a:rPr lang="en-IN" smtClean="0"/>
-              <a:t>26-03-2024</a:t>
+              <a:t>27-03-2024</a:t>
             </a:fld>
             <a:endParaRPr lang="en-IN"/>
           </a:p>
@@ -17703,7 +17703,7 @@
           <a:p>
             <a:fld id="{2FB40312-5B57-42FA-A5A9-3F69F0E1FD40}" type="datetimeFigureOut">
               <a:rPr lang="en-IN" smtClean="0"/>
-              <a:t>26-03-2024</a:t>
+              <a:t>27-03-2024</a:t>
             </a:fld>
             <a:endParaRPr lang="en-IN"/>
           </a:p>
@@ -18070,7 +18070,7 @@
           <a:p>
             <a:fld id="{2FB40312-5B57-42FA-A5A9-3F69F0E1FD40}" type="datetimeFigureOut">
               <a:rPr lang="en-IN" smtClean="0"/>
-              <a:t>26-03-2024</a:t>
+              <a:t>27-03-2024</a:t>
             </a:fld>
             <a:endParaRPr lang="en-IN"/>
           </a:p>
@@ -18188,7 +18188,7 @@
           <a:p>
             <a:fld id="{2FB40312-5B57-42FA-A5A9-3F69F0E1FD40}" type="datetimeFigureOut">
               <a:rPr lang="en-IN" smtClean="0"/>
-              <a:t>26-03-2024</a:t>
+              <a:t>27-03-2024</a:t>
             </a:fld>
             <a:endParaRPr lang="en-IN"/>
           </a:p>
@@ -18283,7 +18283,7 @@
           <a:p>
             <a:fld id="{2FB40312-5B57-42FA-A5A9-3F69F0E1FD40}" type="datetimeFigureOut">
               <a:rPr lang="en-IN" smtClean="0"/>
-              <a:t>26-03-2024</a:t>
+              <a:t>27-03-2024</a:t>
             </a:fld>
             <a:endParaRPr lang="en-IN"/>
           </a:p>
@@ -18560,7 +18560,7 @@
           <a:p>
             <a:fld id="{2FB40312-5B57-42FA-A5A9-3F69F0E1FD40}" type="datetimeFigureOut">
               <a:rPr lang="en-IN" smtClean="0"/>
-              <a:t>26-03-2024</a:t>
+              <a:t>27-03-2024</a:t>
             </a:fld>
             <a:endParaRPr lang="en-IN"/>
           </a:p>
@@ -18817,7 +18817,7 @@
           <a:p>
             <a:fld id="{2FB40312-5B57-42FA-A5A9-3F69F0E1FD40}" type="datetimeFigureOut">
               <a:rPr lang="en-IN" smtClean="0"/>
-              <a:t>26-03-2024</a:t>
+              <a:t>27-03-2024</a:t>
             </a:fld>
             <a:endParaRPr lang="en-IN"/>
           </a:p>
@@ -19030,7 +19030,7 @@
           <a:p>
             <a:fld id="{2FB40312-5B57-42FA-A5A9-3F69F0E1FD40}" type="datetimeFigureOut">
               <a:rPr lang="en-IN" smtClean="0"/>
-              <a:t>26-03-2024</a:t>
+              <a:t>27-03-2024</a:t>
             </a:fld>
             <a:endParaRPr lang="en-IN"/>
           </a:p>
@@ -32918,7 +32918,7 @@
   <we:properties>
     <we:property name="artifactViewState" value="&quot;live&quot;"/>
     <we:property name="backgroundColor" value="&quot;#E6E6E6&quot;"/>
-    <we:property name="bookmark" value="&quot;H4sIAAAAAAAAA+1ZS2/bRhD+KwIvuQjFvkn61ihpULQOjDjIpTCM2d2hzITiEnw4Vg399w5Ju7VsJwpk1ZULnWzu49t5fLMzs7qOfN5UBSzfwwKjo+h1CF8WUH+ZiGgaletjXjCGUiep81Y5nngea1oVqjYPZRMdXUct1HNsP+VNB0UPSIN/nE0jKIoTmPdfGRQNTqMK6yaUUOR/4riYptq6w9U0wquqCDX0kKcttNjDXtJy+iZR+E+STgTX5pd4iq4dRz9gFer29nsaNeN/g0jrcz3YcOAslC3kJQH3Y1Z6wXVmUp0xbTJnhIN+vMnLeXEj4j97Py6r3izNBdBf0t9+JvQeZ7UiBYChsqCEcyqTScy5NMm2WIkyTBqADBKVMUy1cabfm+VFeyv68u1VVZOdyfoj1s/+EkqHPhqMWWPT3Gh+jNB09WDRt2sTp6GrHX7AbJgq27xdEs5vuJzcbumFOakD+W2Y+hhaKM6PocDzWde0YdEL06+5CF9nNZLbfHTEVmc08l21HdR+XWv6qD3Wr5eDRm/y+tZxYnpP6H9dGxK/d4FFE6fGGpNoQO1jKcU+uOAdlmSnyS+4ILkns9CV7cv1wOPKjA6wMcSYgkEWKy+EQqP2wgEDayb/F/pPHjKf7kGuEqF5bInzwsbWx1tfZIZyBoACYTxyLTzBbnTijAw5D3Xu6Jz7fpyFoluUP6q9zxfnbs1Td/R3/ZqH3pvu4YX6rDLt6IZpaySEak94/tg1f1tQ0NrPdyqHd3XoqkG+3ZPtbIgKIZyK04zKKsovie4jbHNUHNj4HTZOn/vyoLL2fD4QZZv7vyBYrNGPAs0uoG5fXpzcWHq561C5a9oxXmJnLRdCygQMeK11otkhXl5UvATnumro7g4Bs+uAWbPtGDGMOZ75RNgs8d5gwhXuTd21gDrvK8+G2vxuq/q5KXKH9RoBIjppPjjVQwuDVtV4ZI7jfPDDNA5KX0e/52SIEfsTFF0P++oN7fDha/kqGoyYN7+Wl4SA/hSL0Y/Hm1H694x+/001/SgThrXNrnnwwLAjF7LEMufihHFkqZNEC0w31vMtXrU2XD2s6K1XkoHJDAOpvMmsjLN9YdZ8uPsOjNq9QW/ysAa0LEXhIVaZJUYptT2TAIVUmmUZk8x4kTrF9b4w6Ru94YFHO+h+lOYG09grnigR61ig09uzSKSppFQXY8olV05Inqb7wqInNQkHKv1gd2BTnYFVmXSGoVaJZ72Ft+WT0cAtB8E0Oss9dzI2G9G+9foFIIyMCcIaUEzEzsvtJYuFc5k0VhpUqfexN2JzHq/IXu/hMp9DG+qHmCgNtSNKQi8cpfTUp/ufzZ//he5pz70+lF27Tz3L5D9tV+4VFSJJEJl2FLkWOWDKDG6k4F44/tmb6Kd3Tgcqbu6YBlY+lnRD1zYVODyBEh9JvuR2IGb7Dalz+Cn879y5Wv0F693L4YofAAA=&quot;"/>
+    <we:property name="bookmark" value="&quot;H4sIAAAAAAAAA+1ZS2/bRhD+KwIvuQjFcl8kfWuUNChaB0Yc5FIYxuzuUGZCcQly6Vg19N87JO3Wsp0okFVXLnSyuY9v5/HNzszqOnJFW5ewfA8LjI6i195/WUDzZcKjaVStj4GSyGxu40wmKRrgmjta5etQ+KqNjq6jAM0cw6ei7aDsAWnwj7NpBGV5AvP+K4eyxWlUY9P6CsriTxwX01RoOlxNI7yqS99AD3kaIGAPe0nL6ZtEiX8SdCLYUFziKdowjn7A2jfh9nsateN/g0jrcz3YcODMVwGKioD7MSMcj1WuM5UzpXOruYV+vC2qeXkj4j97Py7r3iztBdBf0t98JvQeZ7UiBYChNCC5tTIXaRLHQqfbYqVSM6EBckhlzjBT2up+b16U4Vb05duruiE7k/VHrJ/dJVQWe9eQMRts2xvNjxHarhks+nZt4tR3jcUPmA9TVSjCknB+w+XkdksvzEnjyW/D1EcfoDw/hhLPZ10b/KIXpl9z4b/OGiS3ueiIrc5o5LtqW2jcutb00ThsXi8Hjd4Uza3j+PSe0P+6NiR+7wKDOsm00TpVgMolQvB9cME7rMhOk19wQXJPZr6rwsv1wOPKjA4wCSSYgUaWSMe5RC33wgEDayb/F/pPHjKf7sFYplzFiSHOc5MYl2x9kWnrDICknOEwVtwR7EYnzsiQc98Uls6578eZL7tF9aPau2Jxbtc8dUd/26956L3pHl6ozyrTjm6Y0CAh1HvC88eu+duCgtZ+vlM5vGt8Vw/y7Z5sZ0NUcG5lkuWcMcovqeojbHNUHNj4HTZOn/vyoLL2fD4QZZv7vyRYbNCNAs0uoAkvL05uLL3cdajcNe0YL4k1JuZciBQ0OKVUqtghXl5UvHhru3ro7g4Bs+uAWbPtGDGM2Th3KTd56pzGNJa4N3XXApqirzxbavO7rerntiwsNmsEiOik+eBUBwEGrerxyALHee+GaRyUvo5+L8gQI/YnKLse9tUb2uH81+pVNBixaH+tLgkB3SmWox+PN6P07xn9/ptq+lEmDGvbXfPggWFHLuSpYdYmKYuRZVYQLTDbWM8HvArGXz2s6I2TgoHONQMhnc6NSPJ9YdZ8uPsOjNq9QW/ysAI0LEPuIJG5IUZJuT2TALmQiuU5E0w7nlkZq31h0jd6wwOPdtD9SBVrzBIn41TyRCUcrdqeRTzLBKW6BLNYxNJyEWfZvrDoSU3CgUo/2B2YTOVgZC6sZqhk6lhv4W35pBXEJgbOFFoTu9iKRG9E+9brFwDXIiEIo0Eynlgntpcs4dbmQhuhUWbOJU7zzXm8Jnu9h8tiDsE3DzFRaGpHpIBeOErpmcv2P5s//wvd0557na+6sE89y+Q/bVfuFRU8TRGZshS5BmPAjGncSMG9cPyzN9FP75wOVNzcMQ2sfCzp+i60NVg8gQofSb7kdiBmuw2pc/gp/O/cuVr9BUN+yYGKHwAA&quot;"/>
     <we:property name="creatorSessionId" value="&quot;9be1d4ff-0332-4ee2-aa2b-822e274a89c0&quot;"/>
     <we:property name="creatorTenantId" value="&quot;df8679cd-a80e-45d8-99ac-c83ed7ff95a0&quot;"/>
     <we:property name="creatorUserId" value="&quot;10032003521C2680&quot;"/>
